--- a/_SLIDES/2020/H5- Beslissingen/H5_operators en if.pptx
+++ b/_SLIDES/2020/H5- Beslissingen/H5_operators en if.pptx
@@ -3346,7 +3346,7 @@
           <a:p>
             <a:fld id="{AAB1E9D1-C262-4CF5-AED2-7DBFF7C74527}" type="datetimeFigureOut">
               <a:rPr lang="nl-BE" smtClean="0"/>
-              <a:t>14/09/2020</a:t>
+              <a:t>30/09/2020</a:t>
             </a:fld>
             <a:endParaRPr lang="nl-BE"/>
           </a:p>
@@ -6719,7 +6719,7 @@
           <a:p>
             <a:fld id="{412FCB01-D61C-459D-B253-BFAEE47CDD6C}" type="datetime1">
               <a:rPr lang="nl-BE" smtClean="0"/>
-              <a:t>14/09/2020</a:t>
+              <a:t>30/09/2020</a:t>
             </a:fld>
             <a:endParaRPr lang="nl-BE"/>
           </a:p>
@@ -7015,7 +7015,7 @@
           <a:p>
             <a:fld id="{E50A3596-A2A1-452F-890E-77460D820DF3}" type="datetime1">
               <a:rPr lang="nl-BE" smtClean="0"/>
-              <a:t>14/09/2020</a:t>
+              <a:t>30/09/2020</a:t>
             </a:fld>
             <a:endParaRPr lang="nl-BE"/>
           </a:p>
@@ -7228,7 +7228,7 @@
           <a:p>
             <a:fld id="{3E54D962-2629-4D8E-BAC2-59BDDC808C23}" type="datetime1">
               <a:rPr lang="nl-BE" smtClean="0"/>
-              <a:t>14/09/2020</a:t>
+              <a:t>30/09/2020</a:t>
             </a:fld>
             <a:endParaRPr lang="nl-BE"/>
           </a:p>
@@ -7461,7 +7461,7 @@
           <a:p>
             <a:fld id="{76257895-E212-4567-9960-B5A8889D8CFB}" type="datetime1">
               <a:rPr lang="nl-BE" smtClean="0"/>
-              <a:t>14/09/2020</a:t>
+              <a:t>30/09/2020</a:t>
             </a:fld>
             <a:endParaRPr lang="nl-BE"/>
           </a:p>
@@ -7740,7 +7740,7 @@
           <a:p>
             <a:fld id="{96309AB7-B1C6-47F6-931D-231CA6DF413F}" type="datetime1">
               <a:rPr lang="nl-BE" smtClean="0"/>
-              <a:t>14/09/2020</a:t>
+              <a:t>30/09/2020</a:t>
             </a:fld>
             <a:endParaRPr lang="nl-BE"/>
           </a:p>
@@ -8011,7 +8011,7 @@
           <a:p>
             <a:fld id="{88FECF2A-2423-47E7-A0E7-81B98B410C6D}" type="datetime1">
               <a:rPr lang="nl-BE" smtClean="0"/>
-              <a:t>14/09/2020</a:t>
+              <a:t>30/09/2020</a:t>
             </a:fld>
             <a:endParaRPr lang="nl-BE"/>
           </a:p>
@@ -8429,7 +8429,7 @@
           <a:p>
             <a:fld id="{88AC455C-26E9-4F14-A0A4-4B56C69E5ABE}" type="datetime1">
               <a:rPr lang="nl-BE" smtClean="0"/>
-              <a:t>14/09/2020</a:t>
+              <a:t>30/09/2020</a:t>
             </a:fld>
             <a:endParaRPr lang="nl-BE"/>
           </a:p>
@@ -8574,7 +8574,7 @@
           <a:p>
             <a:fld id="{93A8BD94-D848-4FE7-9A53-7960DB632BD9}" type="datetime1">
               <a:rPr lang="nl-BE" smtClean="0"/>
-              <a:t>14/09/2020</a:t>
+              <a:t>30/09/2020</a:t>
             </a:fld>
             <a:endParaRPr lang="nl-BE"/>
           </a:p>
@@ -8690,7 +8690,7 @@
           <a:p>
             <a:fld id="{EB5C9BAE-59B3-417C-A646-E1CF6F2EA8A8}" type="datetime1">
               <a:rPr lang="nl-BE" smtClean="0"/>
-              <a:t>14/09/2020</a:t>
+              <a:t>30/09/2020</a:t>
             </a:fld>
             <a:endParaRPr lang="nl-BE"/>
           </a:p>
@@ -9006,7 +9006,7 @@
           <a:p>
             <a:fld id="{AD66C109-BADA-44A3-804A-343DE3FC7847}" type="datetime1">
               <a:rPr lang="nl-BE" smtClean="0"/>
-              <a:t>14/09/2020</a:t>
+              <a:t>30/09/2020</a:t>
             </a:fld>
             <a:endParaRPr lang="nl-BE"/>
           </a:p>
@@ -9302,7 +9302,7 @@
           <a:p>
             <a:fld id="{3D8DD55F-9DBD-45E6-A29B-FCD4AFC92AFE}" type="datetime1">
               <a:rPr lang="nl-BE" smtClean="0"/>
-              <a:t>14/09/2020</a:t>
+              <a:t>30/09/2020</a:t>
             </a:fld>
             <a:endParaRPr lang="nl-BE"/>
           </a:p>
@@ -9548,7 +9548,7 @@
           <a:p>
             <a:fld id="{5A03EE59-6A12-4FD1-955C-4A0F50547947}" type="datetime1">
               <a:rPr lang="nl-BE" smtClean="0"/>
-              <a:t>14/09/2020</a:t>
+              <a:t>30/09/2020</a:t>
             </a:fld>
             <a:endParaRPr lang="nl-BE"/>
           </a:p>
@@ -10982,7 +10982,7 @@
 </file>
 
 <file path=ppt/slides/slide14.xml><?xml version="1.0" encoding="utf-8"?>
-<p:sld xmlns:a="http://schemas.openxmlformats.org/drawingml/2006/main" xmlns:r="http://schemas.openxmlformats.org/officeDocument/2006/relationships" xmlns:p="http://schemas.openxmlformats.org/presentationml/2006/main">
+<p:sld xmlns:a="http://schemas.openxmlformats.org/drawingml/2006/main" xmlns:r="http://schemas.openxmlformats.org/officeDocument/2006/relationships" xmlns:p="http://schemas.openxmlformats.org/presentationml/2006/main" show="0">
   <p:cSld>
     <p:spTree>
       <p:nvGrpSpPr>
